--- a/week5.pptx
+++ b/week5.pptx
@@ -114,6 +114,11 @@
       </a:defRPr>
     </a:lvl9pPr>
   </p:defaultTextStyle>
+  <p:extLst>
+    <p:ext uri="{EFAFB233-063F-42B5-8137-9DF3F51BA10A}">
+      <p15:sldGuideLst xmlns:p15="http://schemas.microsoft.com/office/powerpoint/2012/main"/>
+    </p:ext>
+  </p:extLst>
 </p:presentation>
 </file>
 
@@ -343,7 +348,7 @@
           <a:p>
             <a:fld id="{0B6163F2-D240-42D7-BE34-45EECD24ABDF}" type="datetimeFigureOut">
               <a:rPr lang="en-IN" smtClean="0"/>
-              <a:t>23-06-2025</a:t>
+              <a:t>27-07-2025</a:t>
             </a:fld>
             <a:endParaRPr lang="en-IN"/>
           </a:p>
@@ -551,7 +556,7 @@
           <a:p>
             <a:fld id="{0B6163F2-D240-42D7-BE34-45EECD24ABDF}" type="datetimeFigureOut">
               <a:rPr lang="en-IN" smtClean="0"/>
-              <a:t>23-06-2025</a:t>
+              <a:t>27-07-2025</a:t>
             </a:fld>
             <a:endParaRPr lang="en-IN"/>
           </a:p>
@@ -807,7 +812,7 @@
           <a:p>
             <a:fld id="{0B6163F2-D240-42D7-BE34-45EECD24ABDF}" type="datetimeFigureOut">
               <a:rPr lang="en-IN" smtClean="0"/>
-              <a:t>23-06-2025</a:t>
+              <a:t>27-07-2025</a:t>
             </a:fld>
             <a:endParaRPr lang="en-IN"/>
           </a:p>
@@ -981,7 +986,7 @@
           <a:p>
             <a:fld id="{0B6163F2-D240-42D7-BE34-45EECD24ABDF}" type="datetimeFigureOut">
               <a:rPr lang="en-IN" smtClean="0"/>
-              <a:t>23-06-2025</a:t>
+              <a:t>27-07-2025</a:t>
             </a:fld>
             <a:endParaRPr lang="en-IN"/>
           </a:p>
@@ -1324,7 +1329,7 @@
           <a:p>
             <a:fld id="{0B6163F2-D240-42D7-BE34-45EECD24ABDF}" type="datetimeFigureOut">
               <a:rPr lang="en-IN" smtClean="0"/>
-              <a:t>23-06-2025</a:t>
+              <a:t>27-07-2025</a:t>
             </a:fld>
             <a:endParaRPr lang="en-IN"/>
           </a:p>
@@ -1599,7 +1604,7 @@
           <a:p>
             <a:fld id="{0B6163F2-D240-42D7-BE34-45EECD24ABDF}" type="datetimeFigureOut">
               <a:rPr lang="en-IN" smtClean="0"/>
-              <a:t>23-06-2025</a:t>
+              <a:t>27-07-2025</a:t>
             </a:fld>
             <a:endParaRPr lang="en-IN"/>
           </a:p>
@@ -1978,7 +1983,7 @@
           <a:p>
             <a:fld id="{0B6163F2-D240-42D7-BE34-45EECD24ABDF}" type="datetimeFigureOut">
               <a:rPr lang="en-IN" smtClean="0"/>
-              <a:t>23-06-2025</a:t>
+              <a:t>27-07-2025</a:t>
             </a:fld>
             <a:endParaRPr lang="en-IN"/>
           </a:p>
@@ -2096,7 +2101,7 @@
           <a:p>
             <a:fld id="{0B6163F2-D240-42D7-BE34-45EECD24ABDF}" type="datetimeFigureOut">
               <a:rPr lang="en-IN" smtClean="0"/>
-              <a:t>23-06-2025</a:t>
+              <a:t>27-07-2025</a:t>
             </a:fld>
             <a:endParaRPr lang="en-IN"/>
           </a:p>
@@ -2267,7 +2272,7 @@
           <a:p>
             <a:fld id="{0B6163F2-D240-42D7-BE34-45EECD24ABDF}" type="datetimeFigureOut">
               <a:rPr lang="en-IN" smtClean="0"/>
-              <a:t>23-06-2025</a:t>
+              <a:t>27-07-2025</a:t>
             </a:fld>
             <a:endParaRPr lang="en-IN"/>
           </a:p>
@@ -2621,7 +2626,7 @@
           <a:p>
             <a:fld id="{0B6163F2-D240-42D7-BE34-45EECD24ABDF}" type="datetimeFigureOut">
               <a:rPr lang="en-IN" smtClean="0"/>
-              <a:t>23-06-2025</a:t>
+              <a:t>27-07-2025</a:t>
             </a:fld>
             <a:endParaRPr lang="en-IN"/>
           </a:p>
@@ -3003,7 +3008,7 @@
           <a:p>
             <a:fld id="{0B6163F2-D240-42D7-BE34-45EECD24ABDF}" type="datetimeFigureOut">
               <a:rPr lang="en-IN" smtClean="0"/>
-              <a:t>23-06-2025</a:t>
+              <a:t>27-07-2025</a:t>
             </a:fld>
             <a:endParaRPr lang="en-IN"/>
           </a:p>
@@ -3290,7 +3295,7 @@
           <a:p>
             <a:fld id="{0B6163F2-D240-42D7-BE34-45EECD24ABDF}" type="datetimeFigureOut">
               <a:rPr lang="en-IN" smtClean="0"/>
-              <a:t>23-06-2025</a:t>
+              <a:t>27-07-2025</a:t>
             </a:fld>
             <a:endParaRPr lang="en-IN"/>
           </a:p>
